--- a/Presentation.pptx
+++ b/Presentation.pptx
@@ -28,6 +28,7 @@
     <p:sldId id="289" r:id="rId22"/>
     <p:sldId id="290" r:id="rId23"/>
     <p:sldId id="292" r:id="rId24"/>
+    <p:sldId id="293" r:id="rId25"/>
   </p:sldIdLst>
   <p:sldSz cx="12192000" cy="6858000"/>
   <p:notesSz cx="6858000" cy="9144000"/>
@@ -5815,7 +5816,19 @@
             </a:r>
             <a:r>
               <a:rPr lang="pt-PT" dirty="0" smtClean="0"/>
-              <a:t> - 2016</a:t>
+              <a:t> </a:t>
+            </a:r>
+            <a:r>
+              <a:rPr lang="pt-PT" dirty="0" smtClean="0"/>
+              <a:t>– 2016 – </a:t>
+            </a:r>
+            <a:r>
+              <a:rPr lang="pt-PT" dirty="0" err="1" smtClean="0"/>
+              <a:t>Group</a:t>
+            </a:r>
+            <a:r>
+              <a:rPr lang="pt-PT" dirty="0" smtClean="0"/>
+              <a:t> 1</a:t>
             </a:r>
             <a:endParaRPr lang="pt-PT" dirty="0"/>
           </a:p>
@@ -8799,6 +8812,111 @@
     <p:extLst>
       <p:ext uri="{BB962C8B-B14F-4D97-AF65-F5344CB8AC3E}">
         <p14:creationId xmlns:p14="http://schemas.microsoft.com/office/powerpoint/2010/main" val="501540096"/>
+      </p:ext>
+    </p:extLst>
+  </p:cSld>
+  <p:clrMapOvr>
+    <a:masterClrMapping/>
+  </p:clrMapOvr>
+  <p:timing>
+    <p:tnLst>
+      <p:par>
+        <p:cTn id="1" dur="indefinite" restart="never" nodeType="tmRoot"/>
+      </p:par>
+    </p:tnLst>
+  </p:timing>
+</p:sld>
+</file>
+
+<file path=ppt/slides/slide24.xml><?xml version="1.0" encoding="utf-8"?>
+<p:sld xmlns:a="http://schemas.openxmlformats.org/drawingml/2006/main" xmlns:r="http://schemas.openxmlformats.org/officeDocument/2006/relationships" xmlns:p="http://schemas.openxmlformats.org/presentationml/2006/main">
+  <p:cSld>
+    <p:spTree>
+      <p:nvGrpSpPr>
+        <p:cNvPr id="1" name=""/>
+        <p:cNvGrpSpPr/>
+        <p:nvPr/>
+      </p:nvGrpSpPr>
+      <p:grpSpPr>
+        <a:xfrm>
+          <a:off x="0" y="0"/>
+          <a:ext cx="0" cy="0"/>
+          <a:chOff x="0" y="0"/>
+          <a:chExt cx="0" cy="0"/>
+        </a:xfrm>
+      </p:grpSpPr>
+      <p:sp>
+        <p:nvSpPr>
+          <p:cNvPr id="2" name="Title 1"/>
+          <p:cNvSpPr>
+            <a:spLocks noGrp="1"/>
+          </p:cNvSpPr>
+          <p:nvPr>
+            <p:ph type="ctrTitle"/>
+          </p:nvPr>
+        </p:nvSpPr>
+        <p:spPr/>
+        <p:txBody>
+          <a:bodyPr>
+            <a:normAutofit/>
+          </a:bodyPr>
+          <a:lstStyle/>
+          <a:p>
+            <a:r>
+              <a:rPr lang="pt-PT" sz="8000" dirty="0" err="1" smtClean="0"/>
+              <a:t>Any</a:t>
+            </a:r>
+            <a:r>
+              <a:rPr lang="pt-PT" sz="8000" dirty="0" smtClean="0"/>
+              <a:t> </a:t>
+            </a:r>
+            <a:r>
+              <a:rPr lang="pt-PT" sz="8000" dirty="0" err="1" smtClean="0"/>
+              <a:t>Questions</a:t>
+            </a:r>
+            <a:r>
+              <a:rPr lang="pt-PT" sz="8000" dirty="0" smtClean="0"/>
+              <a:t>?</a:t>
+            </a:r>
+            <a:endParaRPr lang="pt-PT" sz="8000" dirty="0"/>
+          </a:p>
+        </p:txBody>
+      </p:sp>
+      <p:sp>
+        <p:nvSpPr>
+          <p:cNvPr id="3" name="Subtitle 2"/>
+          <p:cNvSpPr>
+            <a:spLocks noGrp="1"/>
+          </p:cNvSpPr>
+          <p:nvPr>
+            <p:ph type="subTitle" idx="1"/>
+          </p:nvPr>
+        </p:nvSpPr>
+        <p:spPr/>
+        <p:txBody>
+          <a:bodyPr/>
+          <a:lstStyle/>
+          <a:p>
+            <a:r>
+              <a:rPr lang="pt-PT" dirty="0" err="1" smtClean="0"/>
+              <a:t>Thank</a:t>
+            </a:r>
+            <a:r>
+              <a:rPr lang="pt-PT" dirty="0" smtClean="0"/>
+              <a:t> </a:t>
+            </a:r>
+            <a:r>
+              <a:rPr lang="pt-PT" dirty="0" err="1" smtClean="0"/>
+              <a:t>you</a:t>
+            </a:r>
+            <a:endParaRPr lang="pt-PT" dirty="0"/>
+          </a:p>
+        </p:txBody>
+      </p:sp>
+    </p:spTree>
+    <p:extLst>
+      <p:ext uri="{BB962C8B-B14F-4D97-AF65-F5344CB8AC3E}">
+        <p14:creationId xmlns:p14="http://schemas.microsoft.com/office/powerpoint/2010/main" val="1358600768"/>
       </p:ext>
     </p:extLst>
   </p:cSld>

--- a/Presentation.pptx
+++ b/Presentation.pptx
@@ -331,7 +331,7 @@
           <a:p>
             <a:fld id="{ECD19FB2-3AAB-4D03-B13A-2960828C78E3}" type="datetimeFigureOut">
               <a:rPr lang="en-US" dirty="0"/>
-              <a:t>3/31/16</a:t>
+              <a:t>4/1/16</a:t>
             </a:fld>
             <a:endParaRPr lang="en-US" dirty="0"/>
           </a:p>
@@ -374,7 +374,7 @@
             <a:fld id="{6D22F896-40B5-4ADD-8801-0D06FADFA095}" type="slidenum">
               <a:rPr lang="en-US" dirty="0"/>
               <a:pPr/>
-              <a:t>‹#›</a:t>
+              <a:t>‹nº›</a:t>
             </a:fld>
             <a:endParaRPr lang="en-US" dirty="0"/>
           </a:p>
@@ -608,7 +608,7 @@
           <a:p>
             <a:fld id="{1B80C674-7DFC-42FE-B9CD-82963CDB1557}" type="datetimeFigureOut">
               <a:rPr lang="en-US" dirty="0"/>
-              <a:t>3/31/16</a:t>
+              <a:t>4/1/16</a:t>
             </a:fld>
             <a:endParaRPr lang="en-US" dirty="0"/>
           </a:p>
@@ -650,7 +650,7 @@
           <a:p>
             <a:fld id="{6D22F896-40B5-4ADD-8801-0D06FADFA095}" type="slidenum">
               <a:rPr lang="en-US" dirty="0"/>
-              <a:t>‹#›</a:t>
+              <a:t>‹nº›</a:t>
             </a:fld>
             <a:endParaRPr lang="en-US" dirty="0"/>
           </a:p>
@@ -795,7 +795,7 @@
           <a:p>
             <a:fld id="{2076456F-F47D-4F25-8053-2A695DA0CA7D}" type="datetimeFigureOut">
               <a:rPr lang="en-US" dirty="0"/>
-              <a:t>3/31/16</a:t>
+              <a:t>4/1/16</a:t>
             </a:fld>
             <a:endParaRPr lang="en-US" dirty="0"/>
           </a:p>
@@ -837,7 +837,7 @@
           <a:p>
             <a:fld id="{6D22F896-40B5-4ADD-8801-0D06FADFA095}" type="slidenum">
               <a:rPr lang="en-US" dirty="0"/>
-              <a:t>‹#›</a:t>
+              <a:t>‹nº›</a:t>
             </a:fld>
             <a:endParaRPr lang="en-US" dirty="0"/>
           </a:p>
@@ -1051,7 +1051,7 @@
           <a:p>
             <a:fld id="{5D6C7379-69CC-4837-9905-BEBA22830C8A}" type="datetimeFigureOut">
               <a:rPr lang="en-US" dirty="0"/>
-              <a:t>3/31/16</a:t>
+              <a:t>4/1/16</a:t>
             </a:fld>
             <a:endParaRPr lang="en-US" dirty="0"/>
           </a:p>
@@ -1093,7 +1093,7 @@
           <a:p>
             <a:fld id="{6D22F896-40B5-4ADD-8801-0D06FADFA095}" type="slidenum">
               <a:rPr lang="en-US" dirty="0"/>
-              <a:t>‹#›</a:t>
+              <a:t>‹nº›</a:t>
             </a:fld>
             <a:endParaRPr lang="en-US" dirty="0"/>
           </a:p>
@@ -1472,7 +1472,7 @@
           <a:p>
             <a:fld id="{49EB8B7E-8AEE-4F10-BFEE-C999AD004D36}" type="datetimeFigureOut">
               <a:rPr lang="en-US" dirty="0"/>
-              <a:t>3/31/16</a:t>
+              <a:t>4/1/16</a:t>
             </a:fld>
             <a:endParaRPr lang="en-US" dirty="0"/>
           </a:p>
@@ -1514,7 +1514,7 @@
           <a:p>
             <a:fld id="{6D22F896-40B5-4ADD-8801-0D06FADFA095}" type="slidenum">
               <a:rPr lang="en-US" dirty="0"/>
-              <a:t>‹#›</a:t>
+              <a:t>‹nº›</a:t>
             </a:fld>
             <a:endParaRPr lang="en-US" dirty="0"/>
           </a:p>
@@ -2013,7 +2013,7 @@
           <a:p>
             <a:fld id="{8668F3F9-58BC-440B-B37B-805B9055EF92}" type="datetimeFigureOut">
               <a:rPr lang="en-US" dirty="0"/>
-              <a:t>3/31/16</a:t>
+              <a:t>4/1/16</a:t>
             </a:fld>
             <a:endParaRPr lang="en-US" dirty="0"/>
           </a:p>
@@ -2055,7 +2055,7 @@
           <a:p>
             <a:fld id="{6D22F896-40B5-4ADD-8801-0D06FADFA095}" type="slidenum">
               <a:rPr lang="en-US" dirty="0"/>
-              <a:t>‹#›</a:t>
+              <a:t>‹nº›</a:t>
             </a:fld>
             <a:endParaRPr lang="en-US" dirty="0"/>
           </a:p>
@@ -2839,7 +2839,7 @@
           <a:p>
             <a:fld id="{0D5A53AF-48EA-489D-8260-9DCAB666386A}" type="datetimeFigureOut">
               <a:rPr lang="en-US" dirty="0"/>
-              <a:t>3/31/16</a:t>
+              <a:t>4/1/16</a:t>
             </a:fld>
             <a:endParaRPr lang="en-US" dirty="0"/>
           </a:p>
@@ -2881,7 +2881,7 @@
           <a:p>
             <a:fld id="{6D22F896-40B5-4ADD-8801-0D06FADFA095}" type="slidenum">
               <a:rPr lang="en-US" dirty="0"/>
-              <a:t>‹#›</a:t>
+              <a:t>‹nº›</a:t>
             </a:fld>
             <a:endParaRPr lang="en-US" dirty="0"/>
           </a:p>
@@ -3004,7 +3004,7 @@
           <a:p>
             <a:fld id="{0DED02AE-B9A4-47BD-AF8E-97E16144138B}" type="datetimeFigureOut">
               <a:rPr lang="en-US" dirty="0"/>
-              <a:t>3/31/16</a:t>
+              <a:t>4/1/16</a:t>
             </a:fld>
             <a:endParaRPr lang="en-US" dirty="0"/>
           </a:p>
@@ -3046,7 +3046,7 @@
           <a:p>
             <a:fld id="{6D22F896-40B5-4ADD-8801-0D06FADFA095}" type="slidenum">
               <a:rPr lang="en-US" dirty="0"/>
-              <a:t>‹#›</a:t>
+              <a:t>‹nº›</a:t>
             </a:fld>
             <a:endParaRPr lang="en-US" dirty="0"/>
           </a:p>
@@ -3179,7 +3179,7 @@
           <a:p>
             <a:fld id="{CF0FD78B-DB02-4362-BCDC-98A55456977C}" type="datetimeFigureOut">
               <a:rPr lang="en-US" dirty="0"/>
-              <a:t>3/31/16</a:t>
+              <a:t>4/1/16</a:t>
             </a:fld>
             <a:endParaRPr lang="en-US" dirty="0"/>
           </a:p>
@@ -3221,7 +3221,7 @@
           <a:p>
             <a:fld id="{6D22F896-40B5-4ADD-8801-0D06FADFA095}" type="slidenum">
               <a:rPr lang="en-US" dirty="0"/>
-              <a:t>‹#›</a:t>
+              <a:t>‹nº›</a:t>
             </a:fld>
             <a:endParaRPr lang="en-US" dirty="0"/>
           </a:p>
@@ -3344,7 +3344,7 @@
           <a:p>
             <a:fld id="{99916976-5D93-46E4-A98A-FAD63E4D0EA8}" type="datetimeFigureOut">
               <a:rPr lang="en-US" dirty="0"/>
-              <a:t>3/31/16</a:t>
+              <a:t>4/1/16</a:t>
             </a:fld>
             <a:endParaRPr lang="en-US" dirty="0"/>
           </a:p>
@@ -3386,7 +3386,7 @@
           <a:p>
             <a:fld id="{6D22F896-40B5-4ADD-8801-0D06FADFA095}" type="slidenum">
               <a:rPr lang="en-US" dirty="0"/>
-              <a:t>‹#›</a:t>
+              <a:t>‹nº›</a:t>
             </a:fld>
             <a:endParaRPr lang="en-US" dirty="0"/>
           </a:p>
@@ -3596,7 +3596,7 @@
           <a:p>
             <a:fld id="{0F39F4F5-F4D2-4D2A-AB60-88D37ADCB869}" type="datetimeFigureOut">
               <a:rPr lang="en-US" dirty="0"/>
-              <a:t>3/31/16</a:t>
+              <a:t>4/1/16</a:t>
             </a:fld>
             <a:endParaRPr lang="en-US" dirty="0"/>
           </a:p>
@@ -3638,7 +3638,7 @@
           <a:p>
             <a:fld id="{6D22F896-40B5-4ADD-8801-0D06FADFA095}" type="slidenum">
               <a:rPr lang="en-US" dirty="0"/>
-              <a:t>‹#›</a:t>
+              <a:t>‹nº›</a:t>
             </a:fld>
             <a:endParaRPr lang="en-US" dirty="0"/>
           </a:p>
@@ -3823,7 +3823,7 @@
           <a:p>
             <a:fld id="{D23BC6CE-6D1E-47E5-8859-F31AC5380EB2}" type="datetimeFigureOut">
               <a:rPr lang="en-US" dirty="0"/>
-              <a:t>3/31/16</a:t>
+              <a:t>4/1/16</a:t>
             </a:fld>
             <a:endParaRPr lang="en-US" dirty="0"/>
           </a:p>
@@ -3865,7 +3865,7 @@
           <a:p>
             <a:fld id="{6D22F896-40B5-4ADD-8801-0D06FADFA095}" type="slidenum">
               <a:rPr lang="en-US" dirty="0"/>
-              <a:t>‹#›</a:t>
+              <a:t>‹nº›</a:t>
             </a:fld>
             <a:endParaRPr lang="en-US" dirty="0"/>
           </a:p>
@@ -4211,7 +4211,7 @@
           <a:p>
             <a:fld id="{B1B4E7C4-4DA4-404D-9965-B13F2DD7D8BF}" type="datetimeFigureOut">
               <a:rPr lang="en-US" dirty="0"/>
-              <a:t>3/31/16</a:t>
+              <a:t>4/1/16</a:t>
             </a:fld>
             <a:endParaRPr lang="en-US" dirty="0"/>
           </a:p>
@@ -4253,7 +4253,7 @@
           <a:p>
             <a:fld id="{6D22F896-40B5-4ADD-8801-0D06FADFA095}" type="slidenum">
               <a:rPr lang="en-US" dirty="0"/>
-              <a:t>‹#›</a:t>
+              <a:t>‹nº›</a:t>
             </a:fld>
             <a:endParaRPr lang="en-US" dirty="0"/>
           </a:p>
@@ -4324,7 +4324,7 @@
           <a:p>
             <a:fld id="{476FB7AA-4A53-424F-AD41-70827B6504BA}" type="datetimeFigureOut">
               <a:rPr lang="en-US" dirty="0"/>
-              <a:t>3/31/16</a:t>
+              <a:t>4/1/16</a:t>
             </a:fld>
             <a:endParaRPr lang="en-US" dirty="0"/>
           </a:p>
@@ -4366,7 +4366,7 @@
           <a:p>
             <a:fld id="{6D22F896-40B5-4ADD-8801-0D06FADFA095}" type="slidenum">
               <a:rPr lang="en-US" dirty="0"/>
-              <a:t>‹#›</a:t>
+              <a:t>‹nº›</a:t>
             </a:fld>
             <a:endParaRPr lang="en-US" dirty="0"/>
           </a:p>
@@ -4414,7 +4414,7 @@
           <a:p>
             <a:fld id="{E7884882-FB12-4BC8-9960-9AD8104D7FAE}" type="datetimeFigureOut">
               <a:rPr lang="en-US" dirty="0"/>
-              <a:t>3/31/16</a:t>
+              <a:t>4/1/16</a:t>
             </a:fld>
             <a:endParaRPr lang="en-US" dirty="0"/>
           </a:p>
@@ -4456,7 +4456,7 @@
           <a:p>
             <a:fld id="{6D22F896-40B5-4ADD-8801-0D06FADFA095}" type="slidenum">
               <a:rPr lang="en-US" dirty="0"/>
-              <a:t>‹#›</a:t>
+              <a:t>‹nº›</a:t>
             </a:fld>
             <a:endParaRPr lang="en-US" dirty="0"/>
           </a:p>
@@ -4682,7 +4682,7 @@
           <a:p>
             <a:fld id="{F7D1BD23-6E54-4D9D-AD88-A2813C73CC25}" type="datetimeFigureOut">
               <a:rPr lang="en-US" dirty="0"/>
-              <a:t>3/31/16</a:t>
+              <a:t>4/1/16</a:t>
             </a:fld>
             <a:endParaRPr lang="en-US" dirty="0"/>
           </a:p>
@@ -4724,7 +4724,7 @@
           <a:p>
             <a:fld id="{6D22F896-40B5-4ADD-8801-0D06FADFA095}" type="slidenum">
               <a:rPr lang="en-US" dirty="0"/>
-              <a:t>‹#›</a:t>
+              <a:t>‹nº›</a:t>
             </a:fld>
             <a:endParaRPr lang="en-US" dirty="0"/>
           </a:p>
@@ -4958,7 +4958,7 @@
           <a:p>
             <a:fld id="{1471A834-4F3C-4AF9-9C74-05EC35A0F292}" type="datetimeFigureOut">
               <a:rPr lang="en-US" dirty="0"/>
-              <a:t>3/31/16</a:t>
+              <a:t>4/1/16</a:t>
             </a:fld>
             <a:endParaRPr lang="en-US" dirty="0"/>
           </a:p>
@@ -5000,7 +5000,7 @@
           <a:p>
             <a:fld id="{6D22F896-40B5-4ADD-8801-0D06FADFA095}" type="slidenum">
               <a:rPr lang="en-US" dirty="0"/>
-              <a:t>‹#›</a:t>
+              <a:t>‹nº›</a:t>
             </a:fld>
             <a:endParaRPr lang="en-US" dirty="0"/>
           </a:p>
@@ -5193,7 +5193,7 @@
           <a:p>
             <a:fld id="{51CF1133-3259-4C45-BABA-5B62D9C6F78D}" type="datetimeFigureOut">
               <a:rPr lang="en-US" dirty="0"/>
-              <a:t>3/31/16</a:t>
+              <a:t>4/1/16</a:t>
             </a:fld>
             <a:endParaRPr lang="en-US" dirty="0"/>
           </a:p>
@@ -5308,7 +5308,7 @@
             <a:fld id="{6D22F896-40B5-4ADD-8801-0D06FADFA095}" type="slidenum">
               <a:rPr lang="en-US" dirty="0"/>
               <a:pPr/>
-              <a:t>‹#›</a:t>
+              <a:t>‹nº›</a:t>
             </a:fld>
             <a:endParaRPr lang="en-US" dirty="0"/>
           </a:p>
@@ -5816,11 +5816,7 @@
             </a:r>
             <a:r>
               <a:rPr lang="pt-PT" dirty="0" smtClean="0"/>
-              <a:t> </a:t>
-            </a:r>
-            <a:r>
-              <a:rPr lang="pt-PT" dirty="0" smtClean="0"/>
-              <a:t>– 2016 – </a:t>
+              <a:t> – 2016 – </a:t>
             </a:r>
             <a:r>
               <a:rPr lang="pt-PT" dirty="0" err="1" smtClean="0"/>
@@ -11010,10 +11006,18 @@
               <a:t> </a:t>
             </a:r>
             <a:r>
-              <a:rPr lang="pt-PT" dirty="0" err="1" smtClean="0"/>
+              <a:rPr lang="pt-PT" dirty="0" err="1" smtClean="0">
+                <a:solidFill>
+                  <a:srgbClr val="FFC000"/>
+                </a:solidFill>
+              </a:rPr>
               <a:t>Unboxing</a:t>
             </a:r>
-            <a:endParaRPr lang="pt-PT" dirty="0"/>
+            <a:endParaRPr lang="pt-PT" dirty="0">
+              <a:solidFill>
+                <a:srgbClr val="FFC000"/>
+              </a:solidFill>
+            </a:endParaRPr>
           </a:p>
         </p:txBody>
       </p:sp>
@@ -11266,11 +11270,19 @@
               <a:t>Java </a:t>
             </a:r>
             <a:r>
-              <a:rPr lang="pt-PT" dirty="0" err="1" smtClean="0"/>
+              <a:rPr lang="pt-PT" dirty="0" err="1" smtClean="0">
+                <a:solidFill>
+                  <a:srgbClr val="FFC000"/>
+                </a:solidFill>
+              </a:rPr>
               <a:t>Boxing</a:t>
             </a:r>
             <a:r>
-              <a:rPr lang="pt-PT" dirty="0" smtClean="0"/>
+              <a:rPr lang="pt-PT" dirty="0" smtClean="0">
+                <a:solidFill>
+                  <a:srgbClr val="FFC000"/>
+                </a:solidFill>
+              </a:rPr>
               <a:t> </a:t>
             </a:r>
             <a:r>
